--- a/build/Map with labels.pptx
+++ b/build/Map with labels.pptx
@@ -7,6 +7,7 @@
   <p:sldIdLst>
     <p:sldId id="256" r:id="rId2"/>
     <p:sldId id="257" r:id="rId3"/>
+    <p:sldId id="258" r:id="rId4"/>
   </p:sldIdLst>
   <p:sldSz cx="12192000" cy="6858000"/>
   <p:notesSz cx="6858000" cy="9144000"/>
@@ -260,7 +261,7 @@
           <a:p>
             <a:fld id="{660CFA92-D943-0040-A9BF-63C0FCBF5CFA}" type="datetimeFigureOut">
               <a:rPr lang="en-US" smtClean="0"/>
-              <a:t>3/21/21</a:t>
+              <a:t>3/25/21</a:t>
             </a:fld>
             <a:endParaRPr lang="en-US"/>
           </a:p>
@@ -458,7 +459,7 @@
           <a:p>
             <a:fld id="{660CFA92-D943-0040-A9BF-63C0FCBF5CFA}" type="datetimeFigureOut">
               <a:rPr lang="en-US" smtClean="0"/>
-              <a:t>3/21/21</a:t>
+              <a:t>3/25/21</a:t>
             </a:fld>
             <a:endParaRPr lang="en-US"/>
           </a:p>
@@ -666,7 +667,7 @@
           <a:p>
             <a:fld id="{660CFA92-D943-0040-A9BF-63C0FCBF5CFA}" type="datetimeFigureOut">
               <a:rPr lang="en-US" smtClean="0"/>
-              <a:t>3/21/21</a:t>
+              <a:t>3/25/21</a:t>
             </a:fld>
             <a:endParaRPr lang="en-US"/>
           </a:p>
@@ -864,7 +865,7 @@
           <a:p>
             <a:fld id="{660CFA92-D943-0040-A9BF-63C0FCBF5CFA}" type="datetimeFigureOut">
               <a:rPr lang="en-US" smtClean="0"/>
-              <a:t>3/21/21</a:t>
+              <a:t>3/25/21</a:t>
             </a:fld>
             <a:endParaRPr lang="en-US"/>
           </a:p>
@@ -1139,7 +1140,7 @@
           <a:p>
             <a:fld id="{660CFA92-D943-0040-A9BF-63C0FCBF5CFA}" type="datetimeFigureOut">
               <a:rPr lang="en-US" smtClean="0"/>
-              <a:t>3/21/21</a:t>
+              <a:t>3/25/21</a:t>
             </a:fld>
             <a:endParaRPr lang="en-US"/>
           </a:p>
@@ -1404,7 +1405,7 @@
           <a:p>
             <a:fld id="{660CFA92-D943-0040-A9BF-63C0FCBF5CFA}" type="datetimeFigureOut">
               <a:rPr lang="en-US" smtClean="0"/>
-              <a:t>3/21/21</a:t>
+              <a:t>3/25/21</a:t>
             </a:fld>
             <a:endParaRPr lang="en-US"/>
           </a:p>
@@ -1816,7 +1817,7 @@
           <a:p>
             <a:fld id="{660CFA92-D943-0040-A9BF-63C0FCBF5CFA}" type="datetimeFigureOut">
               <a:rPr lang="en-US" smtClean="0"/>
-              <a:t>3/21/21</a:t>
+              <a:t>3/25/21</a:t>
             </a:fld>
             <a:endParaRPr lang="en-US"/>
           </a:p>
@@ -1957,7 +1958,7 @@
           <a:p>
             <a:fld id="{660CFA92-D943-0040-A9BF-63C0FCBF5CFA}" type="datetimeFigureOut">
               <a:rPr lang="en-US" smtClean="0"/>
-              <a:t>3/21/21</a:t>
+              <a:t>3/25/21</a:t>
             </a:fld>
             <a:endParaRPr lang="en-US"/>
           </a:p>
@@ -2070,7 +2071,7 @@
           <a:p>
             <a:fld id="{660CFA92-D943-0040-A9BF-63C0FCBF5CFA}" type="datetimeFigureOut">
               <a:rPr lang="en-US" smtClean="0"/>
-              <a:t>3/21/21</a:t>
+              <a:t>3/25/21</a:t>
             </a:fld>
             <a:endParaRPr lang="en-US"/>
           </a:p>
@@ -2381,7 +2382,7 @@
           <a:p>
             <a:fld id="{660CFA92-D943-0040-A9BF-63C0FCBF5CFA}" type="datetimeFigureOut">
               <a:rPr lang="en-US" smtClean="0"/>
-              <a:t>3/21/21</a:t>
+              <a:t>3/25/21</a:t>
             </a:fld>
             <a:endParaRPr lang="en-US"/>
           </a:p>
@@ -2669,7 +2670,7 @@
           <a:p>
             <a:fld id="{660CFA92-D943-0040-A9BF-63C0FCBF5CFA}" type="datetimeFigureOut">
               <a:rPr lang="en-US" smtClean="0"/>
-              <a:t>3/21/21</a:t>
+              <a:t>3/25/21</a:t>
             </a:fld>
             <a:endParaRPr lang="en-US"/>
           </a:p>
@@ -2910,7 +2911,7 @@
           <a:p>
             <a:fld id="{660CFA92-D943-0040-A9BF-63C0FCBF5CFA}" type="datetimeFigureOut">
               <a:rPr lang="en-US" smtClean="0"/>
-              <a:t>3/21/21</a:t>
+              <a:t>3/25/21</a:t>
             </a:fld>
             <a:endParaRPr lang="en-US"/>
           </a:p>
@@ -5019,10 +5020,10 @@
       </p:sp>
       <p:pic>
         <p:nvPicPr>
-          <p:cNvPr id="3" name="Picture 2" descr="A picture containing text&#10;&#10;Description automatically generated">
-            <a:extLst>
-              <a:ext uri="{FF2B5EF4-FFF2-40B4-BE49-F238E27FC236}">
-                <a16:creationId xmlns:a16="http://schemas.microsoft.com/office/drawing/2014/main" id="{B28E0AC1-E5D5-0445-B3E4-780950FFCBD4}"/>
+          <p:cNvPr id="17" name="Picture 16" descr="A picture containing text&#10;&#10;Description automatically generated">
+            <a:extLst>
+              <a:ext uri="{FF2B5EF4-FFF2-40B4-BE49-F238E27FC236}">
+                <a16:creationId xmlns:a16="http://schemas.microsoft.com/office/drawing/2014/main" id="{8B1239EE-837E-C045-81A3-03FE6745206D}"/>
               </a:ext>
             </a:extLst>
           </p:cNvPr>
@@ -5033,13 +5034,13 @@
         </p:nvPicPr>
         <p:blipFill rotWithShape="1">
           <a:blip r:embed="rId2"/>
-          <a:srcRect l="10261" t="25529" r="13403" b="28306"/>
+          <a:srcRect l="10263" t="25529" r="12956" b="28704"/>
           <a:stretch/>
         </p:blipFill>
         <p:spPr>
           <a:xfrm>
-            <a:off x="668741" y="-8642"/>
-            <a:ext cx="11402219" cy="6206151"/>
+            <a:off x="569843" y="12433"/>
+            <a:ext cx="11701666" cy="6277511"/>
           </a:xfrm>
           <a:prstGeom prst="rect">
             <a:avLst/>
@@ -5139,7 +5140,7 @@
         </p:nvSpPr>
         <p:spPr>
           <a:xfrm>
-            <a:off x="9735164" y="1859806"/>
+            <a:off x="9748416" y="1833302"/>
             <a:ext cx="928459" cy="261610"/>
           </a:xfrm>
           <a:prstGeom prst="rect">
@@ -5280,7 +5281,7 @@
         </p:nvSpPr>
         <p:spPr>
           <a:xfrm>
-            <a:off x="4688939" y="4627866"/>
+            <a:off x="4702191" y="4654370"/>
             <a:ext cx="1426994" cy="261610"/>
           </a:xfrm>
           <a:prstGeom prst="rect">
@@ -5515,7 +5516,7 @@
         </p:nvSpPr>
         <p:spPr>
           <a:xfrm>
-            <a:off x="992663" y="685925"/>
+            <a:off x="966159" y="659421"/>
             <a:ext cx="1645002" cy="261610"/>
           </a:xfrm>
           <a:prstGeom prst="rect">
@@ -5582,6 +5583,303 @@
     <p:extLst>
       <p:ext uri="{BB962C8B-B14F-4D97-AF65-F5344CB8AC3E}">
         <p14:creationId xmlns:p14="http://schemas.microsoft.com/office/powerpoint/2010/main" val="1441977308"/>
+      </p:ext>
+    </p:extLst>
+  </p:cSld>
+  <p:clrMapOvr>
+    <a:masterClrMapping/>
+  </p:clrMapOvr>
+</p:sld>
+</file>
+
+<file path=ppt/slides/slide3.xml><?xml version="1.0" encoding="utf-8"?>
+<p:sld xmlns:a="http://schemas.openxmlformats.org/drawingml/2006/main" xmlns:r="http://schemas.openxmlformats.org/officeDocument/2006/relationships" xmlns:p="http://schemas.openxmlformats.org/presentationml/2006/main">
+  <p:cSld>
+    <p:spTree>
+      <p:nvGrpSpPr>
+        <p:cNvPr id="1" name=""/>
+        <p:cNvGrpSpPr/>
+        <p:nvPr/>
+      </p:nvGrpSpPr>
+      <p:grpSpPr>
+        <a:xfrm>
+          <a:off x="0" y="0"/>
+          <a:ext cx="0" cy="0"/>
+          <a:chOff x="0" y="0"/>
+          <a:chExt cx="0" cy="0"/>
+        </a:xfrm>
+      </p:grpSpPr>
+      <p:sp>
+        <p:nvSpPr>
+          <p:cNvPr id="4" name="TextBox 3">
+            <a:extLst>
+              <a:ext uri="{FF2B5EF4-FFF2-40B4-BE49-F238E27FC236}">
+                <a16:creationId xmlns:a16="http://schemas.microsoft.com/office/drawing/2014/main" id="{F1C4E2E4-945E-F74C-BDBF-5A1715278E41}"/>
+              </a:ext>
+            </a:extLst>
+          </p:cNvPr>
+          <p:cNvSpPr txBox="1"/>
+          <p:nvPr/>
+        </p:nvSpPr>
+        <p:spPr>
+          <a:xfrm>
+            <a:off x="516834" y="421195"/>
+            <a:ext cx="5751441" cy="5970865"/>
+          </a:xfrm>
+          <a:prstGeom prst="rect">
+            <a:avLst/>
+          </a:prstGeom>
+          <a:noFill/>
+        </p:spPr>
+        <p:txBody>
+          <a:bodyPr wrap="square" rtlCol="0">
+            <a:spAutoFit/>
+          </a:bodyPr>
+          <a:lstStyle/>
+          <a:p>
+            <a:r>
+              <a:rPr lang="en-US" sz="1600" dirty="0"/>
+              <a:t>These are visualizations of mean air temperature at 2 meters (with wind chill and heat index where applicable) during the hours of 8:30AM to 3:30PM in local time during the astronomical winter (12-21-2018 to 03-19-2019) and summer (06-20-19 to 09-20-19). Time zones are approximated with longitude boundaries as follows: (Pacific Time:  -125 to -114, Mountain Time:  -114 to -102, Central Time: 102 to -85.5, Eastern Time: -85.5 to -65). </a:t>
+            </a:r>
+          </a:p>
+          <a:p>
+            <a:r>
+              <a:rPr lang="en-US" sz="1000" dirty="0"/>
+              <a:t>   </a:t>
+            </a:r>
+          </a:p>
+          <a:p>
+            <a:r>
+              <a:rPr lang="en-US" sz="1600" dirty="0"/>
+              <a:t>Data is from NASA’s Modern-Era Retrospective analysis for Research and Applications, Version 2 (MERRA-2) </a:t>
+            </a:r>
+            <a:r>
+              <a:rPr lang="en-US" sz="1600" u="sng" dirty="0">
+                <a:hlinkClick r:id="rId2"/>
+              </a:rPr>
+              <a:t>M2T1NXSLV</a:t>
+            </a:r>
+            <a:r>
+              <a:rPr lang="en-US" sz="1600" dirty="0"/>
+              <a:t> dataset, an atmospheric analysis using conventional and satellite data sources with time resolution of one hour and spatial resolution of 0.5 ° x 0.625 °.</a:t>
+            </a:r>
+          </a:p>
+          <a:p>
+            <a:r>
+              <a:rPr lang="en-US" sz="1000" dirty="0"/>
+              <a:t>   </a:t>
+            </a:r>
+          </a:p>
+          <a:p>
+            <a:r>
+              <a:rPr lang="en-US" sz="1600" dirty="0"/>
+              <a:t>The data is broken into the four continental US time zones (as defined above) and then subset to include only the hours 8:30AM to 3:30PM in local time. </a:t>
+            </a:r>
+          </a:p>
+          <a:p>
+            <a:r>
+              <a:rPr lang="en-US" sz="1000" dirty="0"/>
+              <a:t>   </a:t>
+            </a:r>
+          </a:p>
+          <a:p>
+            <a:r>
+              <a:rPr lang="en-US" sz="1600" dirty="0"/>
+              <a:t>Air temperature at 2 meters is used for temperature. Where temperatures are at or below 50F and windspeed at 10 meters is at or above 3mph, wind chill is applied. Where temperatures are at or above 80F, relative humidity is calculated using air temperature at 2 meters and dewpoint temperature at 2 meters and then used to estimate heat index. Wind chill, relative humidity and heat index are calculated using python library </a:t>
+            </a:r>
+            <a:r>
+              <a:rPr lang="en-US" sz="1600" u="sng" dirty="0">
+                <a:hlinkClick r:id="rId3"/>
+              </a:rPr>
+              <a:t>MetPy</a:t>
+            </a:r>
+            <a:r>
+              <a:rPr lang="en-US" sz="1600" dirty="0"/>
+              <a:t>).</a:t>
+            </a:r>
+          </a:p>
+        </p:txBody>
+      </p:sp>
+      <p:sp>
+        <p:nvSpPr>
+          <p:cNvPr id="5" name="TextBox 4">
+            <a:extLst>
+              <a:ext uri="{FF2B5EF4-FFF2-40B4-BE49-F238E27FC236}">
+                <a16:creationId xmlns:a16="http://schemas.microsoft.com/office/drawing/2014/main" id="{64047C7B-613C-4A4E-8523-26EE8D6CB1A5}"/>
+              </a:ext>
+            </a:extLst>
+          </p:cNvPr>
+          <p:cNvSpPr txBox="1"/>
+          <p:nvPr/>
+        </p:nvSpPr>
+        <p:spPr>
+          <a:xfrm>
+            <a:off x="6374295" y="3236896"/>
+            <a:ext cx="5294243" cy="3293209"/>
+          </a:xfrm>
+          <a:prstGeom prst="rect">
+            <a:avLst/>
+          </a:prstGeom>
+          <a:noFill/>
+        </p:spPr>
+        <p:txBody>
+          <a:bodyPr wrap="square" rtlCol="0">
+            <a:spAutoFit/>
+          </a:bodyPr>
+          <a:lstStyle/>
+          <a:p>
+            <a:r>
+              <a:rPr lang="en-US" sz="1600" b="1" dirty="0"/>
+              <a:t>Data citation</a:t>
+            </a:r>
+          </a:p>
+          <a:p>
+            <a:r>
+              <a:rPr lang="en-US" sz="1600" dirty="0"/>
+              <a:t>Global Modeling and Assimilation Office (GMAO) (2015), MERRA-2 tavg1_2d_slv_Nx: 2d,1-Hourly, Time-</a:t>
+            </a:r>
+            <a:r>
+              <a:rPr lang="en-US" sz="1600" dirty="0" err="1"/>
+              <a:t>Averaged,Single</a:t>
+            </a:r>
+            <a:r>
+              <a:rPr lang="en-US" sz="1600" dirty="0"/>
+              <a:t>-</a:t>
+            </a:r>
+            <a:r>
+              <a:rPr lang="en-US" sz="1600" dirty="0" err="1"/>
+              <a:t>Level,Assimilation,Single</a:t>
+            </a:r>
+            <a:r>
+              <a:rPr lang="en-US" sz="1600" dirty="0"/>
+              <a:t>-Level Diagnostics V5.12.4, Greenbelt, MD, USA, Goddard Earth Sciences Data and Information Services Center (GES DISC), Accessed: [2-19-2021], 10.5067/VJAFPLI1CSIV</a:t>
+            </a:r>
+          </a:p>
+          <a:p>
+            <a:endParaRPr lang="en-US" sz="1600" dirty="0"/>
+          </a:p>
+          <a:p>
+            <a:r>
+              <a:rPr lang="en-US" sz="1600" dirty="0"/>
+              <a:t>Locations of early adopter schools and school districts are from Google Maps.</a:t>
+            </a:r>
+          </a:p>
+          <a:p>
+            <a:endParaRPr lang="en-US" sz="1600" dirty="0"/>
+          </a:p>
+          <a:p>
+            <a:r>
+              <a:rPr lang="en-US" sz="1600" b="1" dirty="0"/>
+              <a:t>Map created by Sarah Gill, MPP. 2021.</a:t>
+            </a:r>
+          </a:p>
+          <a:p>
+            <a:endParaRPr lang="en-US" sz="1600" dirty="0"/>
+          </a:p>
+        </p:txBody>
+      </p:sp>
+      <p:cxnSp>
+        <p:nvCxnSpPr>
+          <p:cNvPr id="7" name="Straight Connector 6">
+            <a:extLst>
+              <a:ext uri="{FF2B5EF4-FFF2-40B4-BE49-F238E27FC236}">
+                <a16:creationId xmlns:a16="http://schemas.microsoft.com/office/drawing/2014/main" id="{07F6933D-1FCC-794A-A96C-FF4ED75DB00A}"/>
+              </a:ext>
+            </a:extLst>
+          </p:cNvPr>
+          <p:cNvCxnSpPr>
+            <a:cxnSpLocks/>
+          </p:cNvCxnSpPr>
+          <p:nvPr/>
+        </p:nvCxnSpPr>
+        <p:spPr>
+          <a:xfrm>
+            <a:off x="6374295" y="3021497"/>
+            <a:ext cx="5294243" cy="0"/>
+          </a:xfrm>
+          <a:prstGeom prst="line">
+            <a:avLst/>
+          </a:prstGeom>
+        </p:spPr>
+        <p:style>
+          <a:lnRef idx="2">
+            <a:schemeClr val="dk1"/>
+          </a:lnRef>
+          <a:fillRef idx="0">
+            <a:schemeClr val="dk1"/>
+          </a:fillRef>
+          <a:effectRef idx="1">
+            <a:schemeClr val="dk1"/>
+          </a:effectRef>
+          <a:fontRef idx="minor">
+            <a:schemeClr val="tx1"/>
+          </a:fontRef>
+        </p:style>
+      </p:cxnSp>
+      <p:sp>
+        <p:nvSpPr>
+          <p:cNvPr id="10" name="TextBox 9">
+            <a:extLst>
+              <a:ext uri="{FF2B5EF4-FFF2-40B4-BE49-F238E27FC236}">
+                <a16:creationId xmlns:a16="http://schemas.microsoft.com/office/drawing/2014/main" id="{02C395FF-9AC5-5D4B-80D3-4034A640B316}"/>
+              </a:ext>
+            </a:extLst>
+          </p:cNvPr>
+          <p:cNvSpPr txBox="1"/>
+          <p:nvPr/>
+        </p:nvSpPr>
+        <p:spPr>
+          <a:xfrm>
+            <a:off x="6380923" y="434057"/>
+            <a:ext cx="5294243" cy="1969770"/>
+          </a:xfrm>
+          <a:prstGeom prst="rect">
+            <a:avLst/>
+          </a:prstGeom>
+          <a:noFill/>
+        </p:spPr>
+        <p:txBody>
+          <a:bodyPr wrap="square" rtlCol="0">
+            <a:spAutoFit/>
+          </a:bodyPr>
+          <a:lstStyle/>
+          <a:p>
+            <a:r>
+              <a:rPr lang="en-US" sz="1600" dirty="0"/>
+              <a:t>Temperatures are then averaged over the entire timespan (8:30AM-3:30PM every day from 12-21-2018 to 03-19-2019 for winter and 06-20-19 to 09-20-19 for summer). </a:t>
+            </a:r>
+          </a:p>
+          <a:p>
+            <a:r>
+              <a:rPr lang="en-US" sz="1000" dirty="0"/>
+              <a:t>  </a:t>
+            </a:r>
+          </a:p>
+          <a:p>
+            <a:r>
+              <a:rPr lang="en-US" sz="1600" dirty="0"/>
+              <a:t>The filled contour map is generated from the point data using the python library matplotlib’s function </a:t>
+            </a:r>
+            <a:r>
+              <a:rPr lang="en-US" sz="1600" u="sng" dirty="0">
+                <a:hlinkClick r:id="rId4"/>
+              </a:rPr>
+              <a:t>confourf()</a:t>
+            </a:r>
+            <a:r>
+              <a:rPr lang="en-US" sz="1600" dirty="0"/>
+              <a:t>, binned into 10 degree Fahrenheit intervals. </a:t>
+            </a:r>
+          </a:p>
+          <a:p>
+            <a:endParaRPr lang="en-US" sz="1600" dirty="0"/>
+          </a:p>
+        </p:txBody>
+      </p:sp>
+    </p:spTree>
+    <p:extLst>
+      <p:ext uri="{BB962C8B-B14F-4D97-AF65-F5344CB8AC3E}">
+        <p14:creationId xmlns:p14="http://schemas.microsoft.com/office/powerpoint/2010/main" val="2695505700"/>
       </p:ext>
     </p:extLst>
   </p:cSld>
